--- a/presentation/hoho_AlphaCode.pptx
+++ b/presentation/hoho_AlphaCode.pptx
@@ -28,8 +28,8 @@
     <p:sldId id="273" r:id="rId18"/>
     <p:sldId id="274" r:id="rId19"/>
     <p:sldId id="275" r:id="rId20"/>
-    <p:sldId id="278" r:id="rId21"/>
-    <p:sldId id="276" r:id="rId22"/>
+    <p:sldId id="276" r:id="rId21"/>
+    <p:sldId id="278" r:id="rId22"/>
     <p:sldId id="279" r:id="rId23"/>
   </p:sldIdLst>
   <p:sldSz cx="12192000" cy="6858000"/>
@@ -6312,33 +6312,9 @@
         <p:nvPr/>
       </p:nvGrpSpPr>
       <p:grpSpPr/>
-      <p:sp>
-        <p:nvSpPr>
-          <p:cNvPr id="2" name="标题 1"/>
-          <p:cNvSpPr>
-            <a:spLocks noGrp="1"/>
-          </p:cNvSpPr>
-          <p:nvPr>
-            <p:ph type="title"/>
-          </p:nvPr>
-        </p:nvSpPr>
-        <p:spPr/>
-        <p:txBody>
-          <a:bodyPr/>
-          <a:p>
-            <a:r>
-              <a:rPr lang="zh-CN" altLang="en-US">
-                <a:sym typeface="+mn-ea"/>
-              </a:rPr>
-              <a:t>关于训练数据的“泄漏”</a:t>
-            </a:r>
-            <a:endParaRPr lang="zh-CN" altLang="en-US"/>
-          </a:p>
-        </p:txBody>
-      </p:sp>
       <p:pic>
         <p:nvPicPr>
-          <p:cNvPr id="4" name="图片 3"/>
+          <p:cNvPr id="9" name="图片 8"/>
           <p:cNvPicPr>
             <a:picLocks noChangeAspect="1"/>
           </p:cNvPicPr>
@@ -6352,120 +6328,17 @@
         </p:blipFill>
         <p:spPr>
           <a:xfrm>
-            <a:off x="6329680" y="1080135"/>
-            <a:ext cx="5678805" cy="5583555"/>
+            <a:off x="0" y="246380"/>
+            <a:ext cx="6286500" cy="5915025"/>
           </a:xfrm>
           <a:prstGeom prst="rect">
             <a:avLst/>
           </a:prstGeom>
         </p:spPr>
       </p:pic>
-      <p:sp>
-        <p:nvSpPr>
-          <p:cNvPr id="5" name="文本框 4"/>
-          <p:cNvSpPr txBox="1"/>
-          <p:nvPr/>
-        </p:nvSpPr>
-        <p:spPr>
-          <a:xfrm>
-            <a:off x="819150" y="2289175"/>
-            <a:ext cx="4739005" cy="2030095"/>
-          </a:xfrm>
-          <a:prstGeom prst="rect">
-            <a:avLst/>
-          </a:prstGeom>
-          <a:noFill/>
-        </p:spPr>
-        <p:txBody>
-          <a:bodyPr wrap="square" rtlCol="0" anchor="t">
-            <a:spAutoFit/>
-          </a:bodyPr>
-          <a:p>
-            <a:r>
-              <a:rPr lang="en-US" altLang="zh-CN"/>
-              <a:t>*</a:t>
-            </a:r>
-            <a:r>
-              <a:rPr lang="zh-CN" altLang="en-US"/>
-              <a:t>“The common substrings between model solutions and training</a:t>
-            </a:r>
-            <a:r>
-              <a:rPr lang="en-US" altLang="zh-CN"/>
-              <a:t> </a:t>
-            </a:r>
-            <a:r>
-              <a:rPr lang="zh-CN" altLang="en-US"/>
-              <a:t>data mostly contained boilerplate code for reading and parsing the input data format, rather than key</a:t>
-            </a:r>
-            <a:r>
-              <a:rPr lang="en-US" altLang="zh-CN"/>
-              <a:t> </a:t>
-            </a:r>
-            <a:r>
-              <a:rPr lang="zh-CN" altLang="en-US"/>
-              <a:t>logic for solving problems. AlphaCode thus does not seem to solve problems by copying long</a:t>
-            </a:r>
-            <a:r>
-              <a:rPr lang="en-US" altLang="zh-CN"/>
-              <a:t> </a:t>
-            </a:r>
-            <a:r>
-              <a:rPr lang="zh-CN" altLang="en-US"/>
-              <a:t>blocks of code</a:t>
-            </a:r>
-            <a:r>
-              <a:rPr lang="en-US" altLang="zh-CN"/>
-              <a:t>.</a:t>
-            </a:r>
-            <a:r>
-              <a:rPr lang="zh-CN" altLang="en-US"/>
-              <a:t>”</a:t>
-            </a:r>
-            <a:endParaRPr lang="zh-CN" altLang="en-US"/>
-          </a:p>
-        </p:txBody>
-      </p:sp>
-      <p:sp>
-        <p:nvSpPr>
-          <p:cNvPr id="6" name="文本框 5"/>
-          <p:cNvSpPr txBox="1"/>
-          <p:nvPr/>
-        </p:nvSpPr>
-        <p:spPr>
-          <a:xfrm>
-            <a:off x="354965" y="1920875"/>
-            <a:ext cx="3070225" cy="368300"/>
-          </a:xfrm>
-          <a:prstGeom prst="rect">
-            <a:avLst/>
-          </a:prstGeom>
-          <a:noFill/>
-        </p:spPr>
-        <p:txBody>
-          <a:bodyPr wrap="none" rtlCol="0" anchor="t">
-            <a:spAutoFit/>
-          </a:bodyPr>
-          <a:p>
-            <a:pPr lvl="1"/>
-            <a:r>
-              <a:rPr lang="en-US" altLang="zh-CN">
-                <a:sym typeface="+mn-ea"/>
-              </a:rPr>
-              <a:t>* </a:t>
-            </a:r>
-            <a:r>
-              <a:rPr lang="zh-CN" altLang="en-US">
-                <a:sym typeface="+mn-ea"/>
-              </a:rPr>
-              <a:t>按提交日期划分数据集</a:t>
-            </a:r>
-            <a:endParaRPr lang="zh-CN" altLang="en-US"/>
-          </a:p>
-        </p:txBody>
-      </p:sp>
       <p:pic>
         <p:nvPicPr>
-          <p:cNvPr id="3" name="图片 2"/>
+          <p:cNvPr id="10" name="图片 9"/>
           <p:cNvPicPr>
             <a:picLocks noChangeAspect="1"/>
           </p:cNvPicPr>
@@ -6479,66 +6352,14 @@
         </p:blipFill>
         <p:spPr>
           <a:xfrm>
-            <a:off x="3259455" y="4157980"/>
-            <a:ext cx="3070225" cy="2700020"/>
+            <a:off x="6032500" y="246380"/>
+            <a:ext cx="6159500" cy="6250305"/>
           </a:xfrm>
           <a:prstGeom prst="rect">
             <a:avLst/>
           </a:prstGeom>
         </p:spPr>
       </p:pic>
-      <p:sp>
-        <p:nvSpPr>
-          <p:cNvPr id="7" name="文本框 6"/>
-          <p:cNvSpPr txBox="1"/>
-          <p:nvPr/>
-        </p:nvSpPr>
-        <p:spPr>
-          <a:xfrm>
-            <a:off x="354965" y="1552575"/>
-            <a:ext cx="2435225" cy="368300"/>
-          </a:xfrm>
-          <a:prstGeom prst="rect">
-            <a:avLst/>
-          </a:prstGeom>
-          <a:noFill/>
-        </p:spPr>
-        <p:txBody>
-          <a:bodyPr wrap="none" rtlCol="0" anchor="t">
-            <a:spAutoFit/>
-          </a:bodyPr>
-          <a:p>
-            <a:pPr lvl="1"/>
-            <a:r>
-              <a:rPr lang="en-US" altLang="zh-CN">
-                <a:sym typeface="+mn-ea"/>
-              </a:rPr>
-              <a:t>* </a:t>
-            </a:r>
-            <a:r>
-              <a:rPr lang="zh-CN" altLang="en-US">
-                <a:sym typeface="+mn-ea"/>
-              </a:rPr>
-              <a:t>源于</a:t>
-            </a:r>
-            <a:r>
-              <a:rPr lang="en-US" altLang="zh-CN">
-                <a:sym typeface="+mn-ea"/>
-              </a:rPr>
-              <a:t>Copilot</a:t>
-            </a:r>
-            <a:r>
-              <a:rPr lang="zh-CN" altLang="en-US">
-                <a:sym typeface="+mn-ea"/>
-              </a:rPr>
-              <a:t>争议</a:t>
-            </a:r>
-            <a:endParaRPr lang="zh-CN" altLang="en-US">
-              <a:sym typeface="+mn-ea"/>
-            </a:endParaRPr>
-          </a:p>
-        </p:txBody>
-      </p:sp>
     </p:spTree>
   </p:cSld>
   <p:clrMapOvr>
@@ -6557,9 +6378,33 @@
         <p:nvPr/>
       </p:nvGrpSpPr>
       <p:grpSpPr/>
+      <p:sp>
+        <p:nvSpPr>
+          <p:cNvPr id="2" name="标题 1"/>
+          <p:cNvSpPr>
+            <a:spLocks noGrp="1"/>
+          </p:cNvSpPr>
+          <p:nvPr>
+            <p:ph type="title"/>
+          </p:nvPr>
+        </p:nvSpPr>
+        <p:spPr/>
+        <p:txBody>
+          <a:bodyPr/>
+          <a:p>
+            <a:r>
+              <a:rPr lang="zh-CN" altLang="en-US">
+                <a:sym typeface="+mn-ea"/>
+              </a:rPr>
+              <a:t>关于训练数据的“泄漏”</a:t>
+            </a:r>
+            <a:endParaRPr lang="zh-CN" altLang="en-US"/>
+          </a:p>
+        </p:txBody>
+      </p:sp>
       <p:pic>
         <p:nvPicPr>
-          <p:cNvPr id="9" name="图片 8"/>
+          <p:cNvPr id="4" name="图片 3"/>
           <p:cNvPicPr>
             <a:picLocks noChangeAspect="1"/>
           </p:cNvPicPr>
@@ -6573,17 +6418,120 @@
         </p:blipFill>
         <p:spPr>
           <a:xfrm>
-            <a:off x="0" y="246380"/>
-            <a:ext cx="6286500" cy="5915025"/>
+            <a:off x="6329680" y="1080135"/>
+            <a:ext cx="5678805" cy="5583555"/>
           </a:xfrm>
           <a:prstGeom prst="rect">
             <a:avLst/>
           </a:prstGeom>
         </p:spPr>
       </p:pic>
+      <p:sp>
+        <p:nvSpPr>
+          <p:cNvPr id="5" name="文本框 4"/>
+          <p:cNvSpPr txBox="1"/>
+          <p:nvPr/>
+        </p:nvSpPr>
+        <p:spPr>
+          <a:xfrm>
+            <a:off x="819150" y="2289175"/>
+            <a:ext cx="4739005" cy="2030095"/>
+          </a:xfrm>
+          <a:prstGeom prst="rect">
+            <a:avLst/>
+          </a:prstGeom>
+          <a:noFill/>
+        </p:spPr>
+        <p:txBody>
+          <a:bodyPr wrap="square" rtlCol="0" anchor="t">
+            <a:spAutoFit/>
+          </a:bodyPr>
+          <a:p>
+            <a:r>
+              <a:rPr lang="en-US" altLang="zh-CN"/>
+              <a:t>*</a:t>
+            </a:r>
+            <a:r>
+              <a:rPr lang="zh-CN" altLang="en-US"/>
+              <a:t>“The common substrings between model solutions and training</a:t>
+            </a:r>
+            <a:r>
+              <a:rPr lang="en-US" altLang="zh-CN"/>
+              <a:t> </a:t>
+            </a:r>
+            <a:r>
+              <a:rPr lang="zh-CN" altLang="en-US"/>
+              <a:t>data mostly contained boilerplate code for reading and parsing the input data format, rather than key</a:t>
+            </a:r>
+            <a:r>
+              <a:rPr lang="en-US" altLang="zh-CN"/>
+              <a:t> </a:t>
+            </a:r>
+            <a:r>
+              <a:rPr lang="zh-CN" altLang="en-US"/>
+              <a:t>logic for solving problems. AlphaCode thus does not seem to solve problems by copying long</a:t>
+            </a:r>
+            <a:r>
+              <a:rPr lang="en-US" altLang="zh-CN"/>
+              <a:t> </a:t>
+            </a:r>
+            <a:r>
+              <a:rPr lang="zh-CN" altLang="en-US"/>
+              <a:t>blocks of code</a:t>
+            </a:r>
+            <a:r>
+              <a:rPr lang="en-US" altLang="zh-CN"/>
+              <a:t>.</a:t>
+            </a:r>
+            <a:r>
+              <a:rPr lang="zh-CN" altLang="en-US"/>
+              <a:t>”</a:t>
+            </a:r>
+            <a:endParaRPr lang="zh-CN" altLang="en-US"/>
+          </a:p>
+        </p:txBody>
+      </p:sp>
+      <p:sp>
+        <p:nvSpPr>
+          <p:cNvPr id="6" name="文本框 5"/>
+          <p:cNvSpPr txBox="1"/>
+          <p:nvPr/>
+        </p:nvSpPr>
+        <p:spPr>
+          <a:xfrm>
+            <a:off x="354965" y="1920875"/>
+            <a:ext cx="3070225" cy="368300"/>
+          </a:xfrm>
+          <a:prstGeom prst="rect">
+            <a:avLst/>
+          </a:prstGeom>
+          <a:noFill/>
+        </p:spPr>
+        <p:txBody>
+          <a:bodyPr wrap="none" rtlCol="0" anchor="t">
+            <a:spAutoFit/>
+          </a:bodyPr>
+          <a:p>
+            <a:pPr lvl="1"/>
+            <a:r>
+              <a:rPr lang="en-US" altLang="zh-CN">
+                <a:sym typeface="+mn-ea"/>
+              </a:rPr>
+              <a:t>* </a:t>
+            </a:r>
+            <a:r>
+              <a:rPr lang="zh-CN" altLang="en-US">
+                <a:sym typeface="+mn-ea"/>
+              </a:rPr>
+              <a:t>按提交日期划分数据集</a:t>
+            </a:r>
+            <a:endParaRPr lang="zh-CN" altLang="en-US"/>
+          </a:p>
+        </p:txBody>
+      </p:sp>
       <p:pic>
         <p:nvPicPr>
-          <p:cNvPr id="10" name="图片 9"/>
+          <p:cNvPr id="3" name="图片 2"/>
           <p:cNvPicPr>
             <a:picLocks noChangeAspect="1"/>
           </p:cNvPicPr>
@@ -6597,14 +6545,66 @@
         </p:blipFill>
         <p:spPr>
           <a:xfrm>
-            <a:off x="6032500" y="246380"/>
-            <a:ext cx="6159500" cy="6250305"/>
+            <a:off x="3259455" y="4157980"/>
+            <a:ext cx="3070225" cy="2700020"/>
           </a:xfrm>
           <a:prstGeom prst="rect">
             <a:avLst/>
           </a:prstGeom>
         </p:spPr>
       </p:pic>
+      <p:sp>
+        <p:nvSpPr>
+          <p:cNvPr id="7" name="文本框 6"/>
+          <p:cNvSpPr txBox="1"/>
+          <p:nvPr/>
+        </p:nvSpPr>
+        <p:spPr>
+          <a:xfrm>
+            <a:off x="354965" y="1552575"/>
+            <a:ext cx="2435225" cy="368300"/>
+          </a:xfrm>
+          <a:prstGeom prst="rect">
+            <a:avLst/>
+          </a:prstGeom>
+          <a:noFill/>
+        </p:spPr>
+        <p:txBody>
+          <a:bodyPr wrap="none" rtlCol="0" anchor="t">
+            <a:spAutoFit/>
+          </a:bodyPr>
+          <a:p>
+            <a:pPr lvl="1"/>
+            <a:r>
+              <a:rPr lang="en-US" altLang="zh-CN">
+                <a:sym typeface="+mn-ea"/>
+              </a:rPr>
+              <a:t>* </a:t>
+            </a:r>
+            <a:r>
+              <a:rPr lang="zh-CN" altLang="en-US">
+                <a:sym typeface="+mn-ea"/>
+              </a:rPr>
+              <a:t>源于</a:t>
+            </a:r>
+            <a:r>
+              <a:rPr lang="en-US" altLang="zh-CN">
+                <a:sym typeface="+mn-ea"/>
+              </a:rPr>
+              <a:t>Copilot</a:t>
+            </a:r>
+            <a:r>
+              <a:rPr lang="zh-CN" altLang="en-US">
+                <a:sym typeface="+mn-ea"/>
+              </a:rPr>
+              <a:t>争议</a:t>
+            </a:r>
+            <a:endParaRPr lang="zh-CN" altLang="en-US">
+              <a:sym typeface="+mn-ea"/>
+            </a:endParaRPr>
+          </a:p>
+        </p:txBody>
+      </p:sp>
     </p:spTree>
   </p:cSld>
   <p:clrMapOvr>
